--- a/projects/Eksperimentinis-darbas.pptx
+++ b/projects/Eksperimentinis-darbas.pptx
@@ -351,7 +351,7 @@
           <a:p>
             <a:fld id="{8DE7D133-CAB4-4DBD-B70E-17F89E41CCD3}" type="datetimeFigureOut">
               <a:rPr lang="en-US" smtClean="0"/>
-              <a:t>2/28/2019</a:t>
+              <a:t>4/24/2019</a:t>
             </a:fld>
             <a:endParaRPr lang="en-US"/>
           </a:p>
@@ -685,7 +685,7 @@
           <a:p>
             <a:fld id="{8DE7D133-CAB4-4DBD-B70E-17F89E41CCD3}" type="datetimeFigureOut">
               <a:rPr lang="en-US" smtClean="0"/>
-              <a:t>2/28/2019</a:t>
+              <a:t>4/24/2019</a:t>
             </a:fld>
             <a:endParaRPr lang="en-US"/>
           </a:p>
@@ -963,7 +963,7 @@
           <a:p>
             <a:fld id="{8DE7D133-CAB4-4DBD-B70E-17F89E41CCD3}" type="datetimeFigureOut">
               <a:rPr lang="en-US" smtClean="0"/>
-              <a:t>2/28/2019</a:t>
+              <a:t>4/24/2019</a:t>
             </a:fld>
             <a:endParaRPr lang="en-US"/>
           </a:p>
@@ -1531,7 +1531,7 @@
           <a:p>
             <a:fld id="{8DE7D133-CAB4-4DBD-B70E-17F89E41CCD3}" type="datetimeFigureOut">
               <a:rPr lang="en-US" smtClean="0"/>
-              <a:t>2/28/2019</a:t>
+              <a:t>4/24/2019</a:t>
             </a:fld>
             <a:endParaRPr lang="en-US"/>
           </a:p>
@@ -1809,7 +1809,7 @@
           <a:p>
             <a:fld id="{8DE7D133-CAB4-4DBD-B70E-17F89E41CCD3}" type="datetimeFigureOut">
               <a:rPr lang="en-US" smtClean="0"/>
-              <a:t>2/28/2019</a:t>
+              <a:t>4/24/2019</a:t>
             </a:fld>
             <a:endParaRPr lang="en-US"/>
           </a:p>
@@ -2371,7 +2371,7 @@
           <a:p>
             <a:fld id="{8DE7D133-CAB4-4DBD-B70E-17F89E41CCD3}" type="datetimeFigureOut">
               <a:rPr lang="en-US" smtClean="0"/>
-              <a:t>2/28/2019</a:t>
+              <a:t>4/24/2019</a:t>
             </a:fld>
             <a:endParaRPr lang="en-US"/>
           </a:p>
@@ -2698,7 +2698,7 @@
           <a:p>
             <a:fld id="{8DE7D133-CAB4-4DBD-B70E-17F89E41CCD3}" type="datetimeFigureOut">
               <a:rPr lang="en-US" smtClean="0"/>
-              <a:t>2/28/2019</a:t>
+              <a:t>4/24/2019</a:t>
             </a:fld>
             <a:endParaRPr lang="en-US"/>
           </a:p>
@@ -2875,7 +2875,7 @@
           <a:p>
             <a:fld id="{8DE7D133-CAB4-4DBD-B70E-17F89E41CCD3}" type="datetimeFigureOut">
               <a:rPr lang="en-US" smtClean="0"/>
-              <a:t>2/28/2019</a:t>
+              <a:t>4/24/2019</a:t>
             </a:fld>
             <a:endParaRPr lang="en-US"/>
           </a:p>
@@ -3113,7 +3113,7 @@
           <a:p>
             <a:fld id="{8DE7D133-CAB4-4DBD-B70E-17F89E41CCD3}" type="datetimeFigureOut">
               <a:rPr lang="en-US" smtClean="0"/>
-              <a:t>2/28/2019</a:t>
+              <a:t>4/24/2019</a:t>
             </a:fld>
             <a:endParaRPr lang="en-US"/>
           </a:p>
@@ -3313,7 +3313,7 @@
           <a:p>
             <a:fld id="{8DE7D133-CAB4-4DBD-B70E-17F89E41CCD3}" type="datetimeFigureOut">
               <a:rPr lang="en-US" smtClean="0"/>
-              <a:t>2/28/2019</a:t>
+              <a:t>4/24/2019</a:t>
             </a:fld>
             <a:endParaRPr lang="en-US"/>
           </a:p>
@@ -3589,7 +3589,7 @@
           <a:p>
             <a:fld id="{8DE7D133-CAB4-4DBD-B70E-17F89E41CCD3}" type="datetimeFigureOut">
               <a:rPr lang="en-US" smtClean="0"/>
-              <a:t>2/28/2019</a:t>
+              <a:t>4/24/2019</a:t>
             </a:fld>
             <a:endParaRPr lang="en-US"/>
           </a:p>
@@ -3855,7 +3855,7 @@
           <a:p>
             <a:fld id="{8DE7D133-CAB4-4DBD-B70E-17F89E41CCD3}" type="datetimeFigureOut">
               <a:rPr lang="en-US" smtClean="0"/>
-              <a:t>2/28/2019</a:t>
+              <a:t>4/24/2019</a:t>
             </a:fld>
             <a:endParaRPr lang="en-US"/>
           </a:p>
@@ -4229,7 +4229,7 @@
           <a:p>
             <a:fld id="{8DE7D133-CAB4-4DBD-B70E-17F89E41CCD3}" type="datetimeFigureOut">
               <a:rPr lang="en-US" smtClean="0"/>
-              <a:t>2/28/2019</a:t>
+              <a:t>4/24/2019</a:t>
             </a:fld>
             <a:endParaRPr lang="en-US"/>
           </a:p>
@@ -4377,7 +4377,7 @@
           <a:p>
             <a:fld id="{8DE7D133-CAB4-4DBD-B70E-17F89E41CCD3}" type="datetimeFigureOut">
               <a:rPr lang="en-US" smtClean="0"/>
-              <a:t>2/28/2019</a:t>
+              <a:t>4/24/2019</a:t>
             </a:fld>
             <a:endParaRPr lang="en-US"/>
           </a:p>
@@ -4502,7 +4502,7 @@
           <a:p>
             <a:fld id="{8DE7D133-CAB4-4DBD-B70E-17F89E41CCD3}" type="datetimeFigureOut">
               <a:rPr lang="en-US" smtClean="0"/>
-              <a:t>2/28/2019</a:t>
+              <a:t>4/24/2019</a:t>
             </a:fld>
             <a:endParaRPr lang="en-US"/>
           </a:p>
@@ -4787,7 +4787,7 @@
           <a:p>
             <a:fld id="{8DE7D133-CAB4-4DBD-B70E-17F89E41CCD3}" type="datetimeFigureOut">
               <a:rPr lang="en-US" smtClean="0"/>
-              <a:t>2/28/2019</a:t>
+              <a:t>4/24/2019</a:t>
             </a:fld>
             <a:endParaRPr lang="en-US"/>
           </a:p>
@@ -5111,7 +5111,7 @@
           <a:p>
             <a:fld id="{8DE7D133-CAB4-4DBD-B70E-17F89E41CCD3}" type="datetimeFigureOut">
               <a:rPr lang="en-US" smtClean="0"/>
-              <a:t>2/28/2019</a:t>
+              <a:t>4/24/2019</a:t>
             </a:fld>
             <a:endParaRPr lang="en-US"/>
           </a:p>
@@ -5325,7 +5325,7 @@
           <a:p>
             <a:fld id="{8DE7D133-CAB4-4DBD-B70E-17F89E41CCD3}" type="datetimeFigureOut">
               <a:rPr lang="en-US" smtClean="0"/>
-              <a:t>2/28/2019</a:t>
+              <a:t>4/24/2019</a:t>
             </a:fld>
             <a:endParaRPr lang="en-US"/>
           </a:p>
@@ -6910,7 +6910,7 @@
         </p:nvSpPr>
         <p:spPr>
           <a:xfrm>
-            <a:off x="412879" y="101415"/>
+            <a:off x="803577" y="183265"/>
             <a:ext cx="10131425" cy="1468800"/>
           </a:xfrm>
         </p:spPr>
